--- a/FFPM/FFPM 392.pptx
+++ b/FFPM/FFPM 392.pptx
@@ -12,7 +12,6 @@
     <p:sldId id="259" r:id="rId6"/>
     <p:sldId id="260" r:id="rId7"/>
     <p:sldId id="261" r:id="rId8"/>
-    <p:sldId id="263" r:id="rId9"/>
   </p:sldIdLst>
   <p:sldSz cx="9144000" cy="5143500" type="screen16x9"/>
   <p:notesSz cx="6858000" cy="9144000"/>
@@ -111,6 +110,22 @@
       </a:defRPr>
     </a:lvl9pPr>
   </p:defaultTextStyle>
+  <p:extLst>
+    <p:ext uri="{EFAFB233-063F-42B5-8137-9DF3F51BA10A}">
+      <p15:sldGuideLst xmlns:p15="http://schemas.microsoft.com/office/powerpoint/2012/main">
+        <p15:guide id="1" orient="horz" pos="1620">
+          <p15:clr>
+            <a:srgbClr val="A4A3A4"/>
+          </p15:clr>
+        </p15:guide>
+        <p15:guide id="2" pos="2880">
+          <p15:clr>
+            <a:srgbClr val="A4A3A4"/>
+          </p15:clr>
+        </p15:guide>
+      </p15:sldGuideLst>
+    </p:ext>
+  </p:extLst>
 </p:presentation>
 </file>
 
@@ -295,7 +310,7 @@
           <a:p>
             <a:fld id="{80C56A0C-AF7B-43CF-BEFA-2080EEF84391}" type="datetimeFigureOut">
               <a:rPr lang="fr-FR" smtClean="0"/>
-              <a:t>28/09/2014</a:t>
+              <a:t>01/02/2025</a:t>
             </a:fld>
             <a:endParaRPr lang="fr-FR"/>
           </a:p>
@@ -465,7 +480,7 @@
           <a:p>
             <a:fld id="{80C56A0C-AF7B-43CF-BEFA-2080EEF84391}" type="datetimeFigureOut">
               <a:rPr lang="fr-FR" smtClean="0"/>
-              <a:t>28/09/2014</a:t>
+              <a:t>01/02/2025</a:t>
             </a:fld>
             <a:endParaRPr lang="fr-FR"/>
           </a:p>
@@ -645,7 +660,7 @@
           <a:p>
             <a:fld id="{80C56A0C-AF7B-43CF-BEFA-2080EEF84391}" type="datetimeFigureOut">
               <a:rPr lang="fr-FR" smtClean="0"/>
-              <a:t>28/09/2014</a:t>
+              <a:t>01/02/2025</a:t>
             </a:fld>
             <a:endParaRPr lang="fr-FR"/>
           </a:p>
@@ -815,7 +830,7 @@
           <a:p>
             <a:fld id="{80C56A0C-AF7B-43CF-BEFA-2080EEF84391}" type="datetimeFigureOut">
               <a:rPr lang="fr-FR" smtClean="0"/>
-              <a:t>28/09/2014</a:t>
+              <a:t>01/02/2025</a:t>
             </a:fld>
             <a:endParaRPr lang="fr-FR"/>
           </a:p>
@@ -1061,7 +1076,7 @@
           <a:p>
             <a:fld id="{80C56A0C-AF7B-43CF-BEFA-2080EEF84391}" type="datetimeFigureOut">
               <a:rPr lang="fr-FR" smtClean="0"/>
-              <a:t>28/09/2014</a:t>
+              <a:t>01/02/2025</a:t>
             </a:fld>
             <a:endParaRPr lang="fr-FR"/>
           </a:p>
@@ -1349,7 +1364,7 @@
           <a:p>
             <a:fld id="{80C56A0C-AF7B-43CF-BEFA-2080EEF84391}" type="datetimeFigureOut">
               <a:rPr lang="fr-FR" smtClean="0"/>
-              <a:t>28/09/2014</a:t>
+              <a:t>01/02/2025</a:t>
             </a:fld>
             <a:endParaRPr lang="fr-FR"/>
           </a:p>
@@ -1776,7 +1791,7 @@
           <a:p>
             <a:fld id="{80C56A0C-AF7B-43CF-BEFA-2080EEF84391}" type="datetimeFigureOut">
               <a:rPr lang="fr-FR" smtClean="0"/>
-              <a:t>28/09/2014</a:t>
+              <a:t>01/02/2025</a:t>
             </a:fld>
             <a:endParaRPr lang="fr-FR"/>
           </a:p>
@@ -1894,7 +1909,7 @@
           <a:p>
             <a:fld id="{80C56A0C-AF7B-43CF-BEFA-2080EEF84391}" type="datetimeFigureOut">
               <a:rPr lang="fr-FR" smtClean="0"/>
-              <a:t>28/09/2014</a:t>
+              <a:t>01/02/2025</a:t>
             </a:fld>
             <a:endParaRPr lang="fr-FR"/>
           </a:p>
@@ -1989,7 +2004,7 @@
           <a:p>
             <a:fld id="{80C56A0C-AF7B-43CF-BEFA-2080EEF84391}" type="datetimeFigureOut">
               <a:rPr lang="fr-FR" smtClean="0"/>
-              <a:t>28/09/2014</a:t>
+              <a:t>01/02/2025</a:t>
             </a:fld>
             <a:endParaRPr lang="fr-FR"/>
           </a:p>
@@ -2266,7 +2281,7 @@
           <a:p>
             <a:fld id="{80C56A0C-AF7B-43CF-BEFA-2080EEF84391}" type="datetimeFigureOut">
               <a:rPr lang="fr-FR" smtClean="0"/>
-              <a:t>28/09/2014</a:t>
+              <a:t>01/02/2025</a:t>
             </a:fld>
             <a:endParaRPr lang="fr-FR"/>
           </a:p>
@@ -2519,7 +2534,7 @@
           <a:p>
             <a:fld id="{80C56A0C-AF7B-43CF-BEFA-2080EEF84391}" type="datetimeFigureOut">
               <a:rPr lang="fr-FR" smtClean="0"/>
-              <a:t>28/09/2014</a:t>
+              <a:t>01/02/2025</a:t>
             </a:fld>
             <a:endParaRPr lang="fr-FR"/>
           </a:p>
@@ -2732,7 +2747,7 @@
           <a:p>
             <a:fld id="{80C56A0C-AF7B-43CF-BEFA-2080EEF84391}" type="datetimeFigureOut">
               <a:rPr lang="fr-FR" smtClean="0"/>
-              <a:t>28/09/2014</a:t>
+              <a:t>01/02/2025</a:t>
             </a:fld>
             <a:endParaRPr lang="fr-FR"/>
           </a:p>
@@ -5079,55 +5094,6 @@
     <p:extLst>
       <p:ext uri="{BB962C8B-B14F-4D97-AF65-F5344CB8AC3E}">
         <p14:creationId xmlns:p14="http://schemas.microsoft.com/office/powerpoint/2010/main" val="1923348684"/>
-      </p:ext>
-    </p:extLst>
-  </p:cSld>
-  <p:clrMapOvr>
-    <a:masterClrMapping/>
-  </p:clrMapOvr>
-</p:sld>
-</file>
-
-<file path=ppt/slides/slide8.xml><?xml version="1.0" encoding="utf-8"?>
-<p:sld xmlns:a="http://schemas.openxmlformats.org/drawingml/2006/main" xmlns:r="http://schemas.openxmlformats.org/officeDocument/2006/relationships" xmlns:p="http://schemas.openxmlformats.org/presentationml/2006/main">
-  <p:cSld>
-    <p:spTree>
-      <p:nvGrpSpPr>
-        <p:cNvPr id="1" name=""/>
-        <p:cNvGrpSpPr/>
-        <p:nvPr/>
-      </p:nvGrpSpPr>
-      <p:grpSpPr>
-        <a:xfrm>
-          <a:off x="0" y="0"/>
-          <a:ext cx="0" cy="0"/>
-          <a:chOff x="0" y="0"/>
-          <a:chExt cx="0" cy="0"/>
-        </a:xfrm>
-      </p:grpSpPr>
-      <p:sp>
-        <p:nvSpPr>
-          <p:cNvPr id="2" name="Titre 1"/>
-          <p:cNvSpPr>
-            <a:spLocks noGrp="1"/>
-          </p:cNvSpPr>
-          <p:nvPr>
-            <p:ph type="ctrTitle"/>
-          </p:nvPr>
-        </p:nvSpPr>
-        <p:spPr/>
-        <p:txBody>
-          <a:bodyPr/>
-          <a:lstStyle/>
-          <a:p>
-            <a:endParaRPr lang="fr-FR"/>
-          </a:p>
-        </p:txBody>
-      </p:sp>
-    </p:spTree>
-    <p:extLst>
-      <p:ext uri="{BB962C8B-B14F-4D97-AF65-F5344CB8AC3E}">
-        <p14:creationId xmlns:p14="http://schemas.microsoft.com/office/powerpoint/2010/main" val="1077599638"/>
       </p:ext>
     </p:extLst>
   </p:cSld>
